--- a/Courses/Computer-Modeling-and-IT/Computer-Modeling-and-IT-6-Class/28-Linear-аnd-Branching-Algorithm-Implementation/28.1-Linear-аnd-Branching-Algorithm-Implementation.pptx
+++ b/Courses/Computer-Modeling-and-IT/Computer-Modeling-and-IT-6-Class/28-Linear-аnd-Branching-Algorithm-Implementation/28.1-Linear-аnd-Branching-Algorithm-Implementation.pptx
@@ -309,7 +309,7 @@
           <a:p>
             <a:fld id="{4E087215-0C8F-4762-A664-737A353EC9A4}" type="datetimeFigureOut">
               <a:rPr lang="bg-BG" smtClean="0"/>
-              <a:t>6.9.2025 г.</a:t>
+              <a:t>8.9.2025 г.</a:t>
             </a:fld>
             <a:endParaRPr lang="bg-BG"/>
           </a:p>
@@ -505,7 +505,7 @@
           <a:p>
             <a:fld id="{72D84649-876A-46C9-8472-14CB09C070D8}" type="datetimeFigureOut">
               <a:rPr lang="en-US" smtClean="0"/>
-              <a:t>9/6/2025</a:t>
+              <a:t>9/8/2025</a:t>
             </a:fld>
             <a:endParaRPr lang="en-US"/>
           </a:p>
@@ -6983,13 +6983,17 @@
         </p:spPr>
         <p:txBody>
           <a:bodyPr>
-            <a:normAutofit fontScale="92500"/>
+            <a:normAutofit/>
           </a:bodyPr>
           <a:lstStyle/>
           <a:p>
             <a:r>
               <a:rPr lang="ru-RU" dirty="0"/>
-              <a:t>Логически изрази и проверки. Условна конструкция If-else</a:t>
+              <a:t>Логически изрази </a:t>
+            </a:r>
+            <a:r>
+              <a:rPr lang="ru-RU"/>
+              <a:t>и проверки</a:t>
             </a:r>
             <a:endParaRPr lang="en-US" dirty="0"/>
           </a:p>
